--- a/Course/Course_Minin.pptx
+++ b/Course/Course_Minin.pptx
@@ -11,8 +11,9 @@
     <p:sldId id="259" r:id="rId5"/>
     <p:sldId id="260" r:id="rId6"/>
     <p:sldId id="262" r:id="rId7"/>
-    <p:sldId id="263" r:id="rId8"/>
-    <p:sldId id="264" r:id="rId9"/>
+    <p:sldId id="265" r:id="rId8"/>
+    <p:sldId id="263" r:id="rId9"/>
+    <p:sldId id="264" r:id="rId10"/>
   </p:sldIdLst>
   <p:sldSz cx="12192000" cy="6858000"/>
   <p:notesSz cx="6858000" cy="9144000"/>
@@ -8279,6 +8280,230 @@
       </p:grpSpPr>
       <p:sp>
         <p:nvSpPr>
+          <p:cNvPr id="2" name="Заголовок 1">
+            <a:extLst>
+              <a:ext uri="{FF2B5EF4-FFF2-40B4-BE49-F238E27FC236}">
+                <a16:creationId xmlns:a16="http://schemas.microsoft.com/office/drawing/2014/main" id="{D2758A56-2E9D-4BA9-822A-C936BE521F37}"/>
+              </a:ext>
+            </a:extLst>
+          </p:cNvPr>
+          <p:cNvSpPr>
+            <a:spLocks noGrp="1"/>
+          </p:cNvSpPr>
+          <p:nvPr>
+            <p:ph type="title"/>
+          </p:nvPr>
+        </p:nvSpPr>
+        <p:spPr/>
+        <p:txBody>
+          <a:bodyPr/>
+          <a:lstStyle/>
+          <a:p>
+            <a:r>
+              <a:rPr lang="uk-UA" dirty="0"/>
+              <a:t>Деякі цікаві моменти</a:t>
+            </a:r>
+            <a:endParaRPr lang="ru-UA" dirty="0"/>
+          </a:p>
+        </p:txBody>
+      </p:sp>
+      <p:pic>
+        <p:nvPicPr>
+          <p:cNvPr id="4" name="Рисунок 3">
+            <a:extLst>
+              <a:ext uri="{FF2B5EF4-FFF2-40B4-BE49-F238E27FC236}">
+                <a16:creationId xmlns:a16="http://schemas.microsoft.com/office/drawing/2014/main" id="{D88A5A58-557D-4F80-A66C-3FCEF000E638}"/>
+              </a:ext>
+            </a:extLst>
+          </p:cNvPr>
+          <p:cNvPicPr>
+            <a:picLocks noChangeAspect="1"/>
+          </p:cNvPicPr>
+          <p:nvPr/>
+        </p:nvPicPr>
+        <p:blipFill>
+          <a:blip r:embed="rId2"/>
+          <a:stretch>
+            <a:fillRect/>
+          </a:stretch>
+        </p:blipFill>
+        <p:spPr>
+          <a:xfrm>
+            <a:off x="677334" y="1420427"/>
+            <a:ext cx="6333654" cy="1602420"/>
+          </a:xfrm>
+          <a:prstGeom prst="rect">
+            <a:avLst/>
+          </a:prstGeom>
+        </p:spPr>
+      </p:pic>
+      <p:sp>
+        <p:nvSpPr>
+          <p:cNvPr id="5" name="TextBox 4">
+            <a:extLst>
+              <a:ext uri="{FF2B5EF4-FFF2-40B4-BE49-F238E27FC236}">
+                <a16:creationId xmlns:a16="http://schemas.microsoft.com/office/drawing/2014/main" id="{905BCBAA-13E9-44BC-A87E-3E3C915C133B}"/>
+              </a:ext>
+            </a:extLst>
+          </p:cNvPr>
+          <p:cNvSpPr txBox="1"/>
+          <p:nvPr/>
+        </p:nvSpPr>
+        <p:spPr>
+          <a:xfrm>
+            <a:off x="7412854" y="1677880"/>
+            <a:ext cx="2775119" cy="646331"/>
+          </a:xfrm>
+          <a:prstGeom prst="rect">
+            <a:avLst/>
+          </a:prstGeom>
+          <a:noFill/>
+        </p:spPr>
+        <p:txBody>
+          <a:bodyPr wrap="none" rtlCol="0">
+            <a:spAutoFit/>
+          </a:bodyPr>
+          <a:lstStyle/>
+          <a:p>
+            <a:r>
+              <a:rPr lang="uk-UA" dirty="0"/>
+              <a:t>Одночасне зчитування з</a:t>
+            </a:r>
+          </a:p>
+          <a:p>
+            <a:r>
+              <a:rPr lang="uk-UA" dirty="0"/>
+              <a:t>декількох файлів</a:t>
+            </a:r>
+            <a:endParaRPr lang="ru-UA" dirty="0"/>
+          </a:p>
+        </p:txBody>
+      </p:sp>
+      <p:pic>
+        <p:nvPicPr>
+          <p:cNvPr id="6" name="Рисунок 5">
+            <a:extLst>
+              <a:ext uri="{FF2B5EF4-FFF2-40B4-BE49-F238E27FC236}">
+                <a16:creationId xmlns:a16="http://schemas.microsoft.com/office/drawing/2014/main" id="{3772E3E8-5148-4382-B3D7-1451D5102E98}"/>
+              </a:ext>
+            </a:extLst>
+          </p:cNvPr>
+          <p:cNvPicPr>
+            <a:picLocks noChangeAspect="1"/>
+          </p:cNvPicPr>
+          <p:nvPr/>
+        </p:nvPicPr>
+        <p:blipFill>
+          <a:blip r:embed="rId3"/>
+          <a:stretch>
+            <a:fillRect/>
+          </a:stretch>
+        </p:blipFill>
+        <p:spPr>
+          <a:xfrm>
+            <a:off x="1051448" y="3800383"/>
+            <a:ext cx="2667372" cy="1781424"/>
+          </a:xfrm>
+          <a:prstGeom prst="rect">
+            <a:avLst/>
+          </a:prstGeom>
+        </p:spPr>
+      </p:pic>
+      <p:sp>
+        <p:nvSpPr>
+          <p:cNvPr id="7" name="TextBox 6">
+            <a:extLst>
+              <a:ext uri="{FF2B5EF4-FFF2-40B4-BE49-F238E27FC236}">
+                <a16:creationId xmlns:a16="http://schemas.microsoft.com/office/drawing/2014/main" id="{9908A65D-7156-47A1-A2B1-CD1CB739116E}"/>
+              </a:ext>
+            </a:extLst>
+          </p:cNvPr>
+          <p:cNvSpPr txBox="1"/>
+          <p:nvPr/>
+        </p:nvSpPr>
+        <p:spPr>
+          <a:xfrm>
+            <a:off x="4323268" y="4200540"/>
+            <a:ext cx="3158237" cy="369332"/>
+          </a:xfrm>
+          <a:prstGeom prst="rect">
+            <a:avLst/>
+          </a:prstGeom>
+          <a:noFill/>
+        </p:spPr>
+        <p:txBody>
+          <a:bodyPr wrap="none" rtlCol="0">
+            <a:spAutoFit/>
+          </a:bodyPr>
+          <a:lstStyle/>
+          <a:p>
+            <a:r>
+              <a:rPr lang="uk-UA" dirty="0"/>
+              <a:t>Різнокольоровий інтерфейс</a:t>
+            </a:r>
+            <a:endParaRPr lang="ru-UA" dirty="0"/>
+          </a:p>
+        </p:txBody>
+      </p:sp>
+      <p:pic>
+        <p:nvPicPr>
+          <p:cNvPr id="8" name="Рисунок 7">
+            <a:extLst>
+              <a:ext uri="{FF2B5EF4-FFF2-40B4-BE49-F238E27FC236}">
+                <a16:creationId xmlns:a16="http://schemas.microsoft.com/office/drawing/2014/main" id="{6A75B8EC-3459-48A2-8CBF-F6B09A2F2A79}"/>
+              </a:ext>
+            </a:extLst>
+          </p:cNvPr>
+          <p:cNvPicPr/>
+          <p:nvPr/>
+        </p:nvPicPr>
+        <p:blipFill rotWithShape="1">
+          <a:blip r:embed="rId4"/>
+          <a:srcRect l="-1477" t="93209" r="1477" b="-93209"/>
+          <a:stretch/>
+        </p:blipFill>
+        <p:spPr>
+          <a:xfrm>
+            <a:off x="3940893" y="5004386"/>
+            <a:ext cx="6476365" cy="7893050"/>
+          </a:xfrm>
+          <a:prstGeom prst="rect">
+            <a:avLst/>
+          </a:prstGeom>
+        </p:spPr>
+      </p:pic>
+    </p:spTree>
+    <p:extLst>
+      <p:ext uri="{BB962C8B-B14F-4D97-AF65-F5344CB8AC3E}">
+        <p14:creationId xmlns:p14="http://schemas.microsoft.com/office/powerpoint/2010/main" val="2108896254"/>
+      </p:ext>
+    </p:extLst>
+  </p:cSld>
+  <p:clrMapOvr>
+    <a:masterClrMapping/>
+  </p:clrMapOvr>
+</p:sld>
+</file>
+
+<file path=ppt/slides/slide8.xml><?xml version="1.0" encoding="utf-8"?>
+<p:sld xmlns:a="http://schemas.openxmlformats.org/drawingml/2006/main" xmlns:r="http://schemas.openxmlformats.org/officeDocument/2006/relationships" xmlns:p="http://schemas.openxmlformats.org/presentationml/2006/main">
+  <p:cSld>
+    <p:spTree>
+      <p:nvGrpSpPr>
+        <p:cNvPr id="1" name=""/>
+        <p:cNvGrpSpPr/>
+        <p:nvPr/>
+      </p:nvGrpSpPr>
+      <p:grpSpPr>
+        <a:xfrm>
+          <a:off x="0" y="0"/>
+          <a:ext cx="0" cy="0"/>
+          <a:chOff x="0" y="0"/>
+          <a:chExt cx="0" cy="0"/>
+        </a:xfrm>
+      </p:grpSpPr>
+      <p:sp>
+        <p:nvSpPr>
           <p:cNvPr id="2" name="Заголовок 1"/>
           <p:cNvSpPr>
             <a:spLocks noGrp="1"/>
@@ -8638,7 +8863,7 @@
 </p:sld>
 </file>
 
-<file path=ppt/slides/slide8.xml><?xml version="1.0" encoding="utf-8"?>
+<file path=ppt/slides/slide9.xml><?xml version="1.0" encoding="utf-8"?>
 <p:sld xmlns:a="http://schemas.openxmlformats.org/drawingml/2006/main" xmlns:r="http://schemas.openxmlformats.org/officeDocument/2006/relationships" xmlns:p="http://schemas.openxmlformats.org/presentationml/2006/main">
   <p:cSld>
     <p:spTree>

--- a/Course/Course_Minin.pptx
+++ b/Course/Course_Minin.pptx
@@ -865,7 +865,7 @@
           <a:p>
             <a:fld id="{FE3C12E1-7B04-4A3C-B781-B951E54B2509}" type="datetimeFigureOut">
               <a:rPr lang="ru-RU" smtClean="0"/>
-              <a:t>20.05.2020</a:t>
+              <a:t>26.05.2020</a:t>
             </a:fld>
             <a:endParaRPr lang="ru-RU"/>
           </a:p>
@@ -1116,7 +1116,7 @@
           <a:p>
             <a:fld id="{FE3C12E1-7B04-4A3C-B781-B951E54B2509}" type="datetimeFigureOut">
               <a:rPr lang="ru-RU" smtClean="0"/>
-              <a:t>20.05.2020</a:t>
+              <a:t>26.05.2020</a:t>
             </a:fld>
             <a:endParaRPr lang="ru-RU"/>
           </a:p>
@@ -1430,7 +1430,7 @@
           <a:p>
             <a:fld id="{FE3C12E1-7B04-4A3C-B781-B951E54B2509}" type="datetimeFigureOut">
               <a:rPr lang="ru-RU" smtClean="0"/>
-              <a:t>20.05.2020</a:t>
+              <a:t>26.05.2020</a:t>
             </a:fld>
             <a:endParaRPr lang="ru-RU"/>
           </a:p>
@@ -1763,7 +1763,7 @@
           <a:p>
             <a:fld id="{FE3C12E1-7B04-4A3C-B781-B951E54B2509}" type="datetimeFigureOut">
               <a:rPr lang="ru-RU" smtClean="0"/>
-              <a:t>20.05.2020</a:t>
+              <a:t>26.05.2020</a:t>
             </a:fld>
             <a:endParaRPr lang="ru-RU"/>
           </a:p>
@@ -2077,7 +2077,7 @@
           <a:p>
             <a:fld id="{FE3C12E1-7B04-4A3C-B781-B951E54B2509}" type="datetimeFigureOut">
               <a:rPr lang="ru-RU" smtClean="0"/>
-              <a:t>20.05.2020</a:t>
+              <a:t>26.05.2020</a:t>
             </a:fld>
             <a:endParaRPr lang="ru-RU"/>
           </a:p>
@@ -2470,7 +2470,7 @@
           <a:p>
             <a:fld id="{FE3C12E1-7B04-4A3C-B781-B951E54B2509}" type="datetimeFigureOut">
               <a:rPr lang="ru-RU" smtClean="0"/>
-              <a:t>20.05.2020</a:t>
+              <a:t>26.05.2020</a:t>
             </a:fld>
             <a:endParaRPr lang="ru-RU"/>
           </a:p>
@@ -2640,7 +2640,7 @@
           <a:p>
             <a:fld id="{FE3C12E1-7B04-4A3C-B781-B951E54B2509}" type="datetimeFigureOut">
               <a:rPr lang="ru-RU" smtClean="0"/>
-              <a:t>20.05.2020</a:t>
+              <a:t>26.05.2020</a:t>
             </a:fld>
             <a:endParaRPr lang="ru-RU"/>
           </a:p>
@@ -2820,7 +2820,7 @@
           <a:p>
             <a:fld id="{FE3C12E1-7B04-4A3C-B781-B951E54B2509}" type="datetimeFigureOut">
               <a:rPr lang="ru-RU" smtClean="0"/>
-              <a:t>20.05.2020</a:t>
+              <a:t>26.05.2020</a:t>
             </a:fld>
             <a:endParaRPr lang="ru-RU"/>
           </a:p>
@@ -2990,7 +2990,7 @@
           <a:p>
             <a:fld id="{FE3C12E1-7B04-4A3C-B781-B951E54B2509}" type="datetimeFigureOut">
               <a:rPr lang="ru-RU" smtClean="0"/>
-              <a:t>20.05.2020</a:t>
+              <a:t>26.05.2020</a:t>
             </a:fld>
             <a:endParaRPr lang="ru-RU"/>
           </a:p>
@@ -3237,7 +3237,7 @@
           <a:p>
             <a:fld id="{FE3C12E1-7B04-4A3C-B781-B951E54B2509}" type="datetimeFigureOut">
               <a:rPr lang="ru-RU" smtClean="0"/>
-              <a:t>20.05.2020</a:t>
+              <a:t>26.05.2020</a:t>
             </a:fld>
             <a:endParaRPr lang="ru-RU"/>
           </a:p>
@@ -3469,7 +3469,7 @@
           <a:p>
             <a:fld id="{FE3C12E1-7B04-4A3C-B781-B951E54B2509}" type="datetimeFigureOut">
               <a:rPr lang="ru-RU" smtClean="0"/>
-              <a:t>20.05.2020</a:t>
+              <a:t>26.05.2020</a:t>
             </a:fld>
             <a:endParaRPr lang="ru-RU"/>
           </a:p>
@@ -3843,7 +3843,7 @@
           <a:p>
             <a:fld id="{FE3C12E1-7B04-4A3C-B781-B951E54B2509}" type="datetimeFigureOut">
               <a:rPr lang="ru-RU" smtClean="0"/>
-              <a:t>20.05.2020</a:t>
+              <a:t>26.05.2020</a:t>
             </a:fld>
             <a:endParaRPr lang="ru-RU"/>
           </a:p>
@@ -3966,7 +3966,7 @@
           <a:p>
             <a:fld id="{FE3C12E1-7B04-4A3C-B781-B951E54B2509}" type="datetimeFigureOut">
               <a:rPr lang="ru-RU" smtClean="0"/>
-              <a:t>20.05.2020</a:t>
+              <a:t>26.05.2020</a:t>
             </a:fld>
             <a:endParaRPr lang="ru-RU"/>
           </a:p>
@@ -4061,7 +4061,7 @@
           <a:p>
             <a:fld id="{FE3C12E1-7B04-4A3C-B781-B951E54B2509}" type="datetimeFigureOut">
               <a:rPr lang="ru-RU" smtClean="0"/>
-              <a:t>20.05.2020</a:t>
+              <a:t>26.05.2020</a:t>
             </a:fld>
             <a:endParaRPr lang="ru-RU"/>
           </a:p>
@@ -4316,7 +4316,7 @@
           <a:p>
             <a:fld id="{FE3C12E1-7B04-4A3C-B781-B951E54B2509}" type="datetimeFigureOut">
               <a:rPr lang="ru-RU" smtClean="0"/>
-              <a:t>20.05.2020</a:t>
+              <a:t>26.05.2020</a:t>
             </a:fld>
             <a:endParaRPr lang="ru-RU"/>
           </a:p>
@@ -4621,7 +4621,7 @@
           <a:p>
             <a:fld id="{FE3C12E1-7B04-4A3C-B781-B951E54B2509}" type="datetimeFigureOut">
               <a:rPr lang="ru-RU" smtClean="0"/>
-              <a:t>20.05.2020</a:t>
+              <a:t>26.05.2020</a:t>
             </a:fld>
             <a:endParaRPr lang="ru-RU"/>
           </a:p>
@@ -5323,7 +5323,7 @@
           <a:p>
             <a:fld id="{FE3C12E1-7B04-4A3C-B781-B951E54B2509}" type="datetimeFigureOut">
               <a:rPr lang="ru-RU" smtClean="0"/>
-              <a:t>20.05.2020</a:t>
+              <a:t>26.05.2020</a:t>
             </a:fld>
             <a:endParaRPr lang="ru-RU"/>
           </a:p>
@@ -7964,8 +7964,16 @@
               <a:t>-</a:t>
             </a:r>
             <a:r>
+              <a:rPr lang="ru-RU" dirty="0" err="1"/>
+              <a:t>основн</a:t>
+            </a:r>
+            <a:r>
+              <a:rPr lang="uk-UA" dirty="0"/>
+              <a:t>и</a:t>
+            </a:r>
+            <a:r>
               <a:rPr lang="ru-RU" dirty="0"/>
-              <a:t>основный з </a:t>
+              <a:t>й з </a:t>
             </a:r>
             <a:r>
               <a:rPr lang="ru-RU" dirty="0" err="1"/>
